--- a/Concept/Unity 초기 설정하기.pptx
+++ b/Concept/Unity 초기 설정하기.pptx
@@ -750,7 +750,7 @@
             <a:fld id="{9ED502A5-84F1-4F4C-9E46-99C99F508C47}" type="datetimeFigureOut">
               <a:rPr lang="ko-KR" altLang="en-US" smtClean="0"/>
               <a:pPr/>
-              <a:t>2023-03-10</a:t>
+              <a:t>2023-03-13</a:t>
             </a:fld>
             <a:endParaRPr lang="ko-KR" altLang="en-US"/>
           </a:p>
@@ -948,7 +948,7 @@
             <a:fld id="{9ED502A5-84F1-4F4C-9E46-99C99F508C47}" type="datetimeFigureOut">
               <a:rPr lang="ko-KR" altLang="en-US" smtClean="0"/>
               <a:pPr/>
-              <a:t>2023-03-10</a:t>
+              <a:t>2023-03-13</a:t>
             </a:fld>
             <a:endParaRPr lang="ko-KR" altLang="en-US"/>
           </a:p>
@@ -1135,7 +1135,7 @@
             <a:fld id="{9ED502A5-84F1-4F4C-9E46-99C99F508C47}" type="datetimeFigureOut">
               <a:rPr lang="ko-KR" altLang="en-US" smtClean="0"/>
               <a:pPr/>
-              <a:t>2023-03-10</a:t>
+              <a:t>2023-03-13</a:t>
             </a:fld>
             <a:endParaRPr lang="ko-KR" altLang="en-US"/>
           </a:p>
@@ -1287,7 +1287,7 @@
             <a:fld id="{9ED502A5-84F1-4F4C-9E46-99C99F508C47}" type="datetimeFigureOut">
               <a:rPr lang="ko-KR" altLang="en-US" smtClean="0"/>
               <a:pPr/>
-              <a:t>2023-03-10</a:t>
+              <a:t>2023-03-13</a:t>
             </a:fld>
             <a:endParaRPr lang="ko-KR" altLang="en-US"/>
           </a:p>
@@ -1544,7 +1544,7 @@
             <a:fld id="{9ED502A5-84F1-4F4C-9E46-99C99F508C47}" type="datetimeFigureOut">
               <a:rPr lang="ko-KR" altLang="en-US" smtClean="0"/>
               <a:pPr/>
-              <a:t>2023-03-10</a:t>
+              <a:t>2023-03-13</a:t>
             </a:fld>
             <a:endParaRPr lang="ko-KR" altLang="en-US"/>
           </a:p>
@@ -1955,7 +1955,7 @@
             <a:fld id="{9ED502A5-84F1-4F4C-9E46-99C99F508C47}" type="datetimeFigureOut">
               <a:rPr lang="ko-KR" altLang="en-US" smtClean="0"/>
               <a:pPr/>
-              <a:t>2023-03-10</a:t>
+              <a:t>2023-03-13</a:t>
             </a:fld>
             <a:endParaRPr lang="ko-KR" altLang="en-US"/>
           </a:p>
@@ -2403,7 +2403,7 @@
             <a:fld id="{9ED502A5-84F1-4F4C-9E46-99C99F508C47}" type="datetimeFigureOut">
               <a:rPr lang="ko-KR" altLang="en-US" smtClean="0"/>
               <a:pPr/>
-              <a:t>2023-03-10</a:t>
+              <a:t>2023-03-13</a:t>
             </a:fld>
             <a:endParaRPr lang="ko-KR" altLang="en-US"/>
           </a:p>
@@ -2506,7 +2506,7 @@
             <a:fld id="{9ED502A5-84F1-4F4C-9E46-99C99F508C47}" type="datetimeFigureOut">
               <a:rPr lang="ko-KR" altLang="en-US" smtClean="0"/>
               <a:pPr/>
-              <a:t>2023-03-10</a:t>
+              <a:t>2023-03-13</a:t>
             </a:fld>
             <a:endParaRPr lang="ko-KR" altLang="en-US"/>
           </a:p>
@@ -2629,7 +2629,7 @@
             <a:fld id="{9ED502A5-84F1-4F4C-9E46-99C99F508C47}" type="datetimeFigureOut">
               <a:rPr lang="ko-KR" altLang="en-US" smtClean="0"/>
               <a:pPr/>
-              <a:t>2023-03-10</a:t>
+              <a:t>2023-03-13</a:t>
             </a:fld>
             <a:endParaRPr lang="ko-KR" altLang="en-US"/>
           </a:p>
@@ -2905,7 +2905,7 @@
             <a:fld id="{9ED502A5-84F1-4F4C-9E46-99C99F508C47}" type="datetimeFigureOut">
               <a:rPr lang="ko-KR" altLang="en-US" smtClean="0"/>
               <a:pPr/>
-              <a:t>2023-03-10</a:t>
+              <a:t>2023-03-13</a:t>
             </a:fld>
             <a:endParaRPr lang="ko-KR" altLang="en-US"/>
           </a:p>
@@ -3112,7 +3112,7 @@
             <a:fld id="{9ED502A5-84F1-4F4C-9E46-99C99F508C47}" type="datetimeFigureOut">
               <a:rPr lang="ko-KR" altLang="en-US" smtClean="0"/>
               <a:pPr/>
-              <a:t>2023-03-10</a:t>
+              <a:t>2023-03-13</a:t>
             </a:fld>
             <a:endParaRPr lang="ko-KR" altLang="en-US"/>
           </a:p>
@@ -4223,7 +4223,7 @@
             <a:fld id="{9ED502A5-84F1-4F4C-9E46-99C99F508C47}" type="datetimeFigureOut">
               <a:rPr lang="ko-KR" altLang="en-US" smtClean="0"/>
               <a:pPr/>
-              <a:t>2023-03-10</a:t>
+              <a:t>2023-03-13</a:t>
             </a:fld>
             <a:endParaRPr lang="ko-KR" altLang="en-US"/>
           </a:p>
@@ -4682,20 +4682,10 @@
               <a:t> 디자인 팀 </a:t>
             </a:r>
             <a:r>
-              <a:rPr lang="en-US" altLang="ko-KR" dirty="0" smtClean="0"/>
+              <a:rPr lang="en-US" altLang="ko-KR" smtClean="0"/>
               <a:t>XYZ</a:t>
             </a:r>
-          </a:p>
-          <a:p>
-            <a:r>
-              <a:rPr lang="en-US" altLang="ko-KR" dirty="0" smtClean="0"/>
-              <a:t>20171131 </a:t>
-            </a:r>
-            <a:r>
-              <a:rPr lang="ko-KR" altLang="en-US" dirty="0" err="1" smtClean="0"/>
-              <a:t>이용욱</a:t>
-            </a:r>
-            <a:endParaRPr lang="ko-KR" altLang="en-US" dirty="0"/>
+            <a:endParaRPr lang="en-US" altLang="ko-KR" dirty="0" smtClean="0"/>
           </a:p>
         </p:txBody>
       </p:sp>
@@ -4754,11 +4744,7 @@
             </a:r>
             <a:r>
               <a:rPr lang="ko-KR" altLang="en-US" dirty="0" smtClean="0"/>
-              <a:t> 들어가서 회원 </a:t>
-            </a:r>
-            <a:r>
-              <a:rPr lang="ko-KR" altLang="en-US" dirty="0" smtClean="0"/>
-              <a:t>가입</a:t>
+              <a:t> 들어가서 회원 가입</a:t>
             </a:r>
             <a:endParaRPr lang="en-US" altLang="ko-KR" dirty="0" smtClean="0"/>
           </a:p>
@@ -4793,11 +4779,7 @@
             </a:r>
             <a:r>
               <a:rPr lang="ko-KR" altLang="en-US" sz="1600" dirty="0" smtClean="0"/>
-              <a:t>라는 닉네임이 초대했을 </a:t>
-            </a:r>
-            <a:r>
-              <a:rPr lang="ko-KR" altLang="en-US" sz="1600" dirty="0" smtClean="0"/>
-              <a:t>것임</a:t>
+              <a:t>라는 닉네임이 초대했을 것임</a:t>
             </a:r>
             <a:r>
               <a:rPr lang="en-US" altLang="ko-KR" sz="1600" dirty="0" smtClean="0"/>
@@ -5120,11 +5102,7 @@
             </a:r>
             <a:r>
               <a:rPr lang="ko-KR" altLang="en-US" sz="1800" dirty="0" smtClean="0"/>
-              <a:t>이름으로 폴더 </a:t>
-            </a:r>
-            <a:r>
-              <a:rPr lang="ko-KR" altLang="en-US" sz="1800" dirty="0" smtClean="0"/>
-              <a:t>생성하기</a:t>
+              <a:t>이름으로 폴더 생성하기</a:t>
             </a:r>
             <a:endParaRPr lang="en-US" altLang="ko-KR" sz="1800" dirty="0" smtClean="0"/>
           </a:p>
@@ -5381,11 +5359,7 @@
             </a:r>
             <a:r>
               <a:rPr lang="ko-KR" altLang="en-US" sz="1800" dirty="0" smtClean="0"/>
-              <a:t> </a:t>
-            </a:r>
-            <a:r>
-              <a:rPr lang="ko-KR" altLang="en-US" sz="1800" dirty="0" smtClean="0"/>
-              <a:t>클릭</a:t>
+              <a:t> 클릭</a:t>
             </a:r>
             <a:endParaRPr lang="en-US" altLang="ko-KR" sz="1800" dirty="0" smtClean="0"/>
           </a:p>
@@ -5513,13 +5487,7 @@
               <a:rPr lang="en-US" altLang="ko-KR" dirty="0" err="1" smtClean="0">
                 <a:hlinkClick r:id="rId2"/>
               </a:rPr>
-              <a:t>https://</a:t>
-            </a:r>
-            <a:r>
-              <a:rPr lang="en-US" altLang="ko-KR" dirty="0" err="1" smtClean="0">
-                <a:hlinkClick r:id="rId2"/>
-              </a:rPr>
-              <a:t>www.youtube.com/watch?v=wBsSUBEUYV4</a:t>
+              <a:t>https://www.youtube.com/watch?v=wBsSUBEUYV4</a:t>
             </a:r>
             <a:endParaRPr lang="en-US" altLang="ko-KR" dirty="0" smtClean="0"/>
           </a:p>
@@ -6378,11 +6346,7 @@
             </a:r>
             <a:r>
               <a:rPr lang="ko-KR" altLang="en-US" dirty="0" smtClean="0"/>
-              <a:t>연동하</a:t>
-            </a:r>
-            <a:r>
-              <a:rPr lang="ko-KR" altLang="en-US" dirty="0" smtClean="0"/>
-              <a:t>기</a:t>
+              <a:t>연동하기</a:t>
             </a:r>
             <a:endParaRPr lang="ko-KR" altLang="en-US" dirty="0"/>
           </a:p>
